--- a/Slides/03. 主流系統佈署方式(Docker).pptx
+++ b/Slides/03. 主流系統佈署方式(Docker).pptx
@@ -255,7 +255,7 @@
           <a:p>
             <a:fld id="{90CC8E63-1016-4C78-A51D-85D69DBCD8EF}" type="datetimeFigureOut">
               <a:rPr lang="zh-TW" altLang="en-US" smtClean="0"/>
-              <a:t>2025/4/19</a:t>
+              <a:t>2025/4/23</a:t>
             </a:fld>
             <a:endParaRPr lang="zh-TW" altLang="en-US"/>
           </a:p>
@@ -8024,7 +8024,7 @@
           <a:p>
             <a:fld id="{2E29796B-F55F-40BA-947E-19D03180300F}" type="datetimeFigureOut">
               <a:rPr lang="zh-TW" altLang="en-US" smtClean="0"/>
-              <a:t>2025/4/19</a:t>
+              <a:t>2025/4/23</a:t>
             </a:fld>
             <a:endParaRPr lang="zh-TW" altLang="en-US"/>
           </a:p>
@@ -8222,7 +8222,7 @@
           <a:p>
             <a:fld id="{2E29796B-F55F-40BA-947E-19D03180300F}" type="datetimeFigureOut">
               <a:rPr lang="zh-TW" altLang="en-US" smtClean="0"/>
-              <a:t>2025/4/19</a:t>
+              <a:t>2025/4/23</a:t>
             </a:fld>
             <a:endParaRPr lang="zh-TW" altLang="en-US"/>
           </a:p>
@@ -8430,7 +8430,7 @@
           <a:p>
             <a:fld id="{2E29796B-F55F-40BA-947E-19D03180300F}" type="datetimeFigureOut">
               <a:rPr lang="zh-TW" altLang="en-US" smtClean="0"/>
-              <a:t>2025/4/19</a:t>
+              <a:t>2025/4/23</a:t>
             </a:fld>
             <a:endParaRPr lang="zh-TW" altLang="en-US"/>
           </a:p>
@@ -8811,7 +8811,7 @@
                 </a:solidFill>
               </a:rPr>
               <a:pPr/>
-              <a:t>4/19/2025</a:t>
+              <a:t>4/23/2025</a:t>
             </a:fld>
             <a:endParaRPr kumimoji="0" lang="en-US" dirty="0"/>
           </a:p>
@@ -9042,7 +9042,7 @@
                 </a:solidFill>
               </a:rPr>
               <a:pPr/>
-              <a:t>4/19/2025</a:t>
+              <a:t>4/23/2025</a:t>
             </a:fld>
             <a:endParaRPr kumimoji="0" lang="en-US" dirty="0"/>
           </a:p>
@@ -9275,7 +9275,7 @@
                 </a:solidFill>
               </a:rPr>
               <a:pPr/>
-              <a:t>4/19/2025</a:t>
+              <a:t>4/23/2025</a:t>
             </a:fld>
             <a:endParaRPr kumimoji="0" lang="en-US" dirty="0"/>
           </a:p>
@@ -9757,7 +9757,7 @@
                 </a:solidFill>
               </a:rPr>
               <a:pPr/>
-              <a:t>4/19/2025</a:t>
+              <a:t>4/23/2025</a:t>
             </a:fld>
             <a:endParaRPr kumimoji="0" lang="en-US" dirty="0"/>
           </a:p>
@@ -10114,7 +10114,7 @@
                 </a:solidFill>
               </a:rPr>
               <a:pPr/>
-              <a:t>4/19/2025</a:t>
+              <a:t>4/23/2025</a:t>
             </a:fld>
             <a:endParaRPr kumimoji="0" lang="en-US" dirty="0"/>
           </a:p>
@@ -10477,7 +10477,7 @@
                 </a:solidFill>
               </a:rPr>
               <a:pPr/>
-              <a:t>4/19/2025</a:t>
+              <a:t>4/23/2025</a:t>
             </a:fld>
             <a:endParaRPr kumimoji="0" lang="en-US" dirty="0"/>
           </a:p>
@@ -10787,7 +10787,7 @@
                 </a:solidFill>
               </a:rPr>
               <a:pPr/>
-              <a:t>4/19/2025</a:t>
+              <a:t>4/23/2025</a:t>
             </a:fld>
             <a:endParaRPr kumimoji="0" lang="en-US" dirty="0"/>
           </a:p>
@@ -10982,7 +10982,7 @@
           <a:p>
             <a:fld id="{2E29796B-F55F-40BA-947E-19D03180300F}" type="datetimeFigureOut">
               <a:rPr lang="zh-TW" altLang="en-US" smtClean="0"/>
-              <a:t>2025/4/19</a:t>
+              <a:t>2025/4/23</a:t>
             </a:fld>
             <a:endParaRPr lang="zh-TW" altLang="en-US"/>
           </a:p>
@@ -11466,7 +11466,7 @@
                 </a:solidFill>
               </a:rPr>
               <a:pPr/>
-              <a:t>4/19/2025</a:t>
+              <a:t>4/23/2025</a:t>
             </a:fld>
             <a:endParaRPr kumimoji="0" lang="en-US" dirty="0"/>
           </a:p>
@@ -11862,7 +11862,7 @@
                 </a:solidFill>
               </a:rPr>
               <a:pPr/>
-              <a:t>4/19/2025</a:t>
+              <a:t>4/23/2025</a:t>
             </a:fld>
             <a:endParaRPr kumimoji="0" lang="en-US" dirty="0"/>
           </a:p>
@@ -12202,7 +12202,7 @@
                 </a:solidFill>
               </a:rPr>
               <a:pPr/>
-              <a:t>4/19/2025</a:t>
+              <a:t>4/23/2025</a:t>
             </a:fld>
             <a:endParaRPr kumimoji="0" lang="en-US" dirty="0"/>
           </a:p>
@@ -12783,7 +12783,7 @@
                 </a:solidFill>
               </a:rPr>
               <a:pPr/>
-              <a:t>4/19/2025</a:t>
+              <a:t>4/23/2025</a:t>
             </a:fld>
             <a:endParaRPr kumimoji="0" lang="en-US" dirty="0"/>
           </a:p>
@@ -13352,7 +13352,7 @@
                 </a:solidFill>
               </a:rPr>
               <a:pPr/>
-              <a:t>4/19/2025</a:t>
+              <a:t>4/23/2025</a:t>
             </a:fld>
             <a:endParaRPr kumimoji="0" lang="en-US" dirty="0"/>
           </a:p>
@@ -13816,7 +13816,7 @@
                 </a:solidFill>
               </a:rPr>
               <a:pPr/>
-              <a:t>4/19/2025</a:t>
+              <a:t>4/23/2025</a:t>
             </a:fld>
             <a:endParaRPr kumimoji="0" lang="en-US" dirty="0"/>
           </a:p>
@@ -14245,7 +14245,7 @@
                 </a:solidFill>
               </a:rPr>
               <a:pPr/>
-              <a:t>4/19/2025</a:t>
+              <a:t>4/23/2025</a:t>
             </a:fld>
             <a:endParaRPr kumimoji="0" lang="en-US" dirty="0"/>
           </a:p>
@@ -14754,7 +14754,7 @@
                 </a:solidFill>
               </a:rPr>
               <a:pPr/>
-              <a:t>4/19/2025</a:t>
+              <a:t>4/23/2025</a:t>
             </a:fld>
             <a:endParaRPr kumimoji="0" lang="en-US" dirty="0"/>
           </a:p>
@@ -15263,7 +15263,7 @@
                 </a:solidFill>
               </a:rPr>
               <a:pPr/>
-              <a:t>4/19/2025</a:t>
+              <a:t>4/23/2025</a:t>
             </a:fld>
             <a:endParaRPr kumimoji="0" lang="en-US" dirty="0"/>
           </a:p>
@@ -15484,7 +15484,7 @@
                 </a:solidFill>
               </a:rPr>
               <a:pPr/>
-              <a:t>4/19/2025</a:t>
+              <a:t>4/23/2025</a:t>
             </a:fld>
             <a:endParaRPr kumimoji="0" lang="en-US" dirty="0"/>
           </a:p>
@@ -15756,7 +15756,7 @@
           <a:p>
             <a:fld id="{2E29796B-F55F-40BA-947E-19D03180300F}" type="datetimeFigureOut">
               <a:rPr lang="zh-TW" altLang="en-US" smtClean="0"/>
-              <a:t>2025/4/19</a:t>
+              <a:t>2025/4/23</a:t>
             </a:fld>
             <a:endParaRPr lang="zh-TW" altLang="en-US"/>
           </a:p>
@@ -16092,7 +16092,7 @@
                 </a:solidFill>
               </a:rPr>
               <a:pPr/>
-              <a:t>4/19/2025</a:t>
+              <a:t>4/23/2025</a:t>
             </a:fld>
             <a:endParaRPr kumimoji="0" lang="en-US" dirty="0"/>
           </a:p>
@@ -16316,7 +16316,7 @@
                 </a:solidFill>
               </a:rPr>
               <a:pPr/>
-              <a:t>4/19/2025</a:t>
+              <a:t>4/23/2025</a:t>
             </a:fld>
             <a:endParaRPr kumimoji="0" lang="en-US" dirty="0"/>
           </a:p>
@@ -16497,7 +16497,7 @@
             <a:fld id="{ACB2EC6F-6501-4E04-BD6C-A8A6CABB2C5B}" type="datetimeFigureOut">
               <a:rPr kumimoji="0" lang="en-US" smtClean="0"/>
               <a:pPr/>
-              <a:t>4/19/2025</a:t>
+              <a:t>4/23/2025</a:t>
             </a:fld>
             <a:endParaRPr kumimoji="0" lang="en-US" dirty="0"/>
           </a:p>
@@ -16781,7 +16781,7 @@
           <a:p>
             <a:fld id="{2E29796B-F55F-40BA-947E-19D03180300F}" type="datetimeFigureOut">
               <a:rPr lang="zh-TW" altLang="en-US" smtClean="0"/>
-              <a:t>2025/4/19</a:t>
+              <a:t>2025/4/23</a:t>
             </a:fld>
             <a:endParaRPr lang="zh-TW" altLang="en-US"/>
           </a:p>
@@ -17193,7 +17193,7 @@
           <a:p>
             <a:fld id="{2E29796B-F55F-40BA-947E-19D03180300F}" type="datetimeFigureOut">
               <a:rPr lang="zh-TW" altLang="en-US" smtClean="0"/>
-              <a:t>2025/4/19</a:t>
+              <a:t>2025/4/23</a:t>
             </a:fld>
             <a:endParaRPr lang="zh-TW" altLang="en-US"/>
           </a:p>
@@ -17334,7 +17334,7 @@
           <a:p>
             <a:fld id="{2E29796B-F55F-40BA-947E-19D03180300F}" type="datetimeFigureOut">
               <a:rPr lang="zh-TW" altLang="en-US" smtClean="0"/>
-              <a:t>2025/4/19</a:t>
+              <a:t>2025/4/23</a:t>
             </a:fld>
             <a:endParaRPr lang="zh-TW" altLang="en-US"/>
           </a:p>
@@ -17447,7 +17447,7 @@
           <a:p>
             <a:fld id="{2E29796B-F55F-40BA-947E-19D03180300F}" type="datetimeFigureOut">
               <a:rPr lang="zh-TW" altLang="en-US" smtClean="0"/>
-              <a:t>2025/4/19</a:t>
+              <a:t>2025/4/23</a:t>
             </a:fld>
             <a:endParaRPr lang="zh-TW" altLang="en-US"/>
           </a:p>
@@ -17758,7 +17758,7 @@
           <a:p>
             <a:fld id="{2E29796B-F55F-40BA-947E-19D03180300F}" type="datetimeFigureOut">
               <a:rPr lang="zh-TW" altLang="en-US" smtClean="0"/>
-              <a:t>2025/4/19</a:t>
+              <a:t>2025/4/23</a:t>
             </a:fld>
             <a:endParaRPr lang="zh-TW" altLang="en-US"/>
           </a:p>
@@ -18046,7 +18046,7 @@
           <a:p>
             <a:fld id="{2E29796B-F55F-40BA-947E-19D03180300F}" type="datetimeFigureOut">
               <a:rPr lang="zh-TW" altLang="en-US" smtClean="0"/>
-              <a:t>2025/4/19</a:t>
+              <a:t>2025/4/23</a:t>
             </a:fld>
             <a:endParaRPr lang="zh-TW" altLang="en-US"/>
           </a:p>
@@ -18287,7 +18287,7 @@
           <a:p>
             <a:fld id="{2E29796B-F55F-40BA-947E-19D03180300F}" type="datetimeFigureOut">
               <a:rPr lang="zh-TW" altLang="en-US" smtClean="0"/>
-              <a:t>2025/4/19</a:t>
+              <a:t>2025/4/23</a:t>
             </a:fld>
             <a:endParaRPr lang="zh-TW" altLang="en-US"/>
           </a:p>
@@ -18859,7 +18859,7 @@
                 </a:solidFill>
               </a:rPr>
               <a:pPr/>
-              <a:t>4/19/2025</a:t>
+              <a:t>4/23/2025</a:t>
             </a:fld>
             <a:endParaRPr kumimoji="0" lang="en-US" sz="1200" dirty="0">
               <a:solidFill>
@@ -19327,7 +19327,7 @@
         </p:nvSpPr>
         <p:spPr>
           <a:xfrm>
-            <a:off x="311084" y="2921168"/>
+            <a:off x="451308" y="2921168"/>
             <a:ext cx="8241384" cy="1015663"/>
           </a:xfrm>
           <a:prstGeom prst="rect">
@@ -20144,7 +20144,7 @@
         </p:nvSpPr>
         <p:spPr>
           <a:xfrm>
-            <a:off x="2223082" y="355134"/>
+            <a:off x="2223081" y="204132"/>
             <a:ext cx="4697835" cy="990600"/>
           </a:xfrm>
           <a:prstGeom prst="rect">
@@ -20195,7 +20195,7 @@
                 <a:latin typeface="微軟正黑體" panose="020B0604030504040204" pitchFamily="34" charset="-120"/>
                 <a:ea typeface="微軟正黑體" panose="020B0604030504040204" pitchFamily="34" charset="-120"/>
               </a:rPr>
-              <a:t>LINEBOT</a:t>
+              <a:t>LINE Bot</a:t>
             </a:r>
             <a:r>
               <a:rPr lang="zh-TW" altLang="en-US" sz="4800" b="1" kern="0" dirty="0">
@@ -20549,7 +20549,7 @@
                 <a:ea typeface="微軟正黑體" panose="020B0604030504040204" pitchFamily="34" charset="-120"/>
                 <a:cs typeface="Heiti TC Light"/>
               </a:rPr>
-              <a:t>硬體：現今年代硬體相容性已經沒問題，因此硬體不需要包括在小電腦中</a:t>
+              <a:t>硬體：現今年代硬體早就抽象化了。已經沒問題，因此硬體不需要包括在小電腦中</a:t>
             </a:r>
             <a:endParaRPr kumimoji="1" lang="en-US" altLang="zh-TW" sz="3200" dirty="0">
               <a:solidFill>
@@ -21833,7 +21833,7 @@
         </p:nvSpPr>
         <p:spPr>
           <a:xfrm>
-            <a:off x="1800520" y="100611"/>
+            <a:off x="2169636" y="64863"/>
             <a:ext cx="5214665" cy="990600"/>
           </a:xfrm>
           <a:prstGeom prst="rect">
@@ -23312,7 +23312,7 @@
                 <a:ea typeface="微軟正黑體" panose="020B0604030504040204" pitchFamily="34" charset="-120"/>
                 <a:cs typeface="Heiti TC Light"/>
               </a:rPr>
-              <a:t>通常操作小電腦有固定的程式，可以直接建立，開機，關機，刪除，複製，執行，映射網路硬碟，映射網路通訊埠就是一切主電腦和小電腦之前的操作都可以</a:t>
+              <a:t>通常操作小電腦有固定的程式，可以直接建立，開機，關機，刪除，複製，執行，映射網路硬碟，映射網路通訊埠，就是一切主電腦和小電腦之前的操作都可以</a:t>
             </a:r>
             <a:endParaRPr kumimoji="1" lang="en-US" altLang="zh-TW" sz="3200" dirty="0">
               <a:solidFill>
@@ -23564,7 +23564,7 @@
         <p:spPr>
           <a:xfrm>
             <a:off x="693420" y="1841244"/>
-            <a:ext cx="8077200" cy="2554545"/>
+            <a:ext cx="8077200" cy="2062103"/>
           </a:xfrm>
           <a:prstGeom prst="rect">
             <a:avLst/>
@@ -23606,7 +23606,7 @@
               <a:buAutoNum type="arabicPeriod"/>
             </a:pPr>
             <a:r>
-              <a:rPr kumimoji="1" lang="en-US" altLang="zh-TW" sz="3200" dirty="0">
+              <a:rPr kumimoji="1" lang="zh-TW" altLang="en-US" sz="3200" dirty="0">
                 <a:solidFill>
                   <a:prstClr val="white"/>
                 </a:solidFill>
@@ -23621,31 +23621,7 @@
                 <a:ea typeface="微軟正黑體" panose="020B0604030504040204" pitchFamily="34" charset="-120"/>
                 <a:cs typeface="Heiti TC Light"/>
               </a:rPr>
-              <a:t>Provider</a:t>
-            </a:r>
-          </a:p>
-          <a:p>
-            <a:pPr marL="514338" indent="-514338">
-              <a:buFont typeface="+mj-lt"/>
-              <a:buAutoNum type="arabicPeriod"/>
-            </a:pPr>
-            <a:r>
-              <a:rPr kumimoji="1" lang="en-US" altLang="zh-TW" sz="3200" dirty="0">
-                <a:solidFill>
-                  <a:prstClr val="white"/>
-                </a:solidFill>
-                <a:effectLst>
-                  <a:outerShdw blurRad="38100" dist="38100" dir="2700000" algn="tl">
-                    <a:srgbClr val="000000">
-                      <a:alpha val="43137"/>
-                    </a:srgbClr>
-                  </a:outerShdw>
-                </a:effectLst>
-                <a:latin typeface="微軟正黑體" panose="020B0604030504040204" pitchFamily="34" charset="-120"/>
-                <a:ea typeface="微軟正黑體" panose="020B0604030504040204" pitchFamily="34" charset="-120"/>
-                <a:cs typeface="Heiti TC Light"/>
-              </a:rPr>
-              <a:t>Channel</a:t>
+              <a:t>主流程式佈署的方法</a:t>
             </a:r>
           </a:p>
           <a:p>
@@ -24372,7 +24348,7 @@
                 <a:ea typeface="微軟正黑體" panose="020B0604030504040204" pitchFamily="34" charset="-120"/>
                 <a:cs typeface="Heiti TC Light"/>
               </a:rPr>
-              <a:t>先再開發環境的主機上建立容器</a:t>
+              <a:t>先在開發環境的主機上建立容器</a:t>
             </a:r>
             <a:endParaRPr kumimoji="1" lang="en-US" altLang="zh-TW" sz="3200" dirty="0">
               <a:solidFill>
@@ -27415,7 +27391,7 @@
                 <a:ea typeface="微軟正黑體" panose="020B0604030504040204" pitchFamily="34" charset="-120"/>
                 <a:cs typeface="Heiti TC Light"/>
               </a:rPr>
-              <a:t>查看目前運行的容器</a:t>
+              <a:t>刪除容器</a:t>
             </a:r>
             <a:endParaRPr kumimoji="1" lang="en-US" altLang="zh-TW" sz="3200" dirty="0">
               <a:solidFill>
@@ -27511,8 +27487,8 @@
         </p:nvSpPr>
         <p:spPr>
           <a:xfrm>
-            <a:off x="1771650" y="73027"/>
-            <a:ext cx="5755821" cy="990600"/>
+            <a:off x="3340392" y="0"/>
+            <a:ext cx="3463080" cy="990600"/>
           </a:xfrm>
           <a:prstGeom prst="rect">
             <a:avLst/>
@@ -27545,7 +27521,7 @@
                 <a:latin typeface="微軟正黑體" panose="020B0604030504040204" pitchFamily="34" charset="-120"/>
                 <a:ea typeface="微軟正黑體" panose="020B0604030504040204" pitchFamily="34" charset="-120"/>
               </a:rPr>
-              <a:t>刪除目前運行的容器</a:t>
+              <a:t>刪除容器</a:t>
             </a:r>
           </a:p>
         </p:txBody>
@@ -34796,7 +34772,7 @@
                 <a:latin typeface="微軟正黑體" panose="020B0604030504040204" pitchFamily="34" charset="-120"/>
                 <a:ea typeface="微軟正黑體" panose="020B0604030504040204" pitchFamily="34" charset="-120"/>
               </a:rPr>
-              <a:t>LINEBOT</a:t>
+              <a:t>LINE Bot</a:t>
             </a:r>
             <a:r>
               <a:rPr lang="zh-TW" altLang="en-US" sz="4800" b="1" kern="0" dirty="0">
